--- a/HRNUG.2015.02/ASPNET Security.pptx
+++ b/HRNUG.2015.02/ASPNET Security.pptx
@@ -37,7 +37,6 @@
     <p:sldId id="282" r:id="rId34"/>
     <p:sldId id="283" r:id="rId35"/>
     <p:sldId id="284" r:id="rId36"/>
-    <p:sldId id="285" r:id="rId37"/>
   </p:sldIdLst>
   <p:sldSz cx="13004800" cy="9753600"/>
   <p:notesSz cx="6858000" cy="9144000"/>
@@ -1895,7 +1894,7 @@
             </a:pPr>
             <a:r>
               <a:rPr sz="7800"/>
-              <a:t>Web Security</a:t>
+              <a:t>ASP.NET Security</a:t>
             </a:r>
           </a:p>
         </p:txBody>
@@ -1933,7 +1932,7 @@
                   <a:srgbClr val="919191"/>
                 </a:solidFill>
               </a:rPr>
-              <a:t>HRNUG 2015</a:t>
+              <a:t>NOVA 2015</a:t>
             </a:r>
           </a:p>
         </p:txBody>
@@ -3087,428 +3086,58 @@
             </a:pPr>
             <a:r>
               <a:rPr sz="7800"/>
-              <a:t>Adoption</a:t>
+              <a:t>SQL Injection</a:t>
             </a:r>
           </a:p>
         </p:txBody>
       </p:sp>
-      <p:graphicFrame>
-        <p:nvGraphicFramePr>
-          <p:cNvPr id="89" name="Table 89"/>
-          <p:cNvGraphicFramePr/>
-          <p:nvPr/>
-        </p:nvGraphicFramePr>
-        <p:xfrm>
-          <a:off x="1908769" y="3574186"/>
-          <a:ext cx="9187261" cy="4357828"/>
-        </p:xfrm>
-        <a:graphic xmlns:a="http://schemas.openxmlformats.org/drawingml/2006/main">
-          <a:graphicData uri="http://schemas.openxmlformats.org/drawingml/2006/table">
-            <a:tbl>
-              <a:tblPr firstCol="1" firstRow="1" lastCol="0" lastRow="0" bandCol="0" bandRow="1" rtl="0">
-                <a:tableStyleId>{4C3C2611-4C71-4FC5-86AE-919BDF0F9419}</a:tableStyleId>
-              </a:tblPr>
-              <a:tblGrid>
-                <a:gridCol w="2058159"/>
-                <a:gridCol w="1714427"/>
-                <a:gridCol w="1498600"/>
-                <a:gridCol w="1288478"/>
-                <a:gridCol w="2627594"/>
-              </a:tblGrid>
-              <a:tr h="1089457">
-                <a:tc>
-                  <a:txBody>
-                    <a:bodyPr/>
-                    <a:lstStyle/>
-                    <a:p>
-                      <a:pPr lvl="0" defTabSz="914400">
-                        <a:defRPr sz="2400">
-                          <a:sym typeface="Helvetica"/>
-                        </a:defRPr>
-                      </a:pPr>
-                    </a:p>
-                  </a:txBody>
-                  <a:tcPr marL="50800" marR="50800" marT="50800" marB="50800" anchor="ctr" anchorCtr="0" horzOverflow="overflow"/>
-                </a:tc>
-                <a:tc>
-                  <a:txBody>
-                    <a:bodyPr/>
-                    <a:lstStyle/>
-                    <a:p>
-                      <a:pPr lvl="0" defTabSz="914400">
-                        <a:defRPr b="0" sz="1800">
-                          <a:solidFill>
-                            <a:srgbClr val="000000"/>
-                          </a:solidFill>
-                        </a:defRPr>
-                      </a:pPr>
-                      <a:r>
-                        <a:rPr b="1" sz="2400">
-                          <a:solidFill>
-                            <a:srgbClr val="FFFFFF"/>
-                          </a:solidFill>
-                          <a:sym typeface="Helvetica"/>
-                        </a:rPr>
-                        <a:t>Firefox</a:t>
-                      </a:r>
-                    </a:p>
-                  </a:txBody>
-                  <a:tcPr marL="50800" marR="50800" marT="50800" marB="50800" anchor="ctr" anchorCtr="0" horzOverflow="overflow"/>
-                </a:tc>
-                <a:tc>
-                  <a:txBody>
-                    <a:bodyPr/>
-                    <a:lstStyle/>
-                    <a:p>
-                      <a:pPr lvl="0" defTabSz="914400">
-                        <a:defRPr b="0" sz="1800">
-                          <a:solidFill>
-                            <a:srgbClr val="000000"/>
-                          </a:solidFill>
-                        </a:defRPr>
-                      </a:pPr>
-                      <a:r>
-                        <a:rPr b="1" sz="2400">
-                          <a:solidFill>
-                            <a:srgbClr val="FFFFFF"/>
-                          </a:solidFill>
-                          <a:sym typeface="Helvetica"/>
-                        </a:rPr>
-                        <a:t>Chrome</a:t>
-                      </a:r>
-                    </a:p>
-                  </a:txBody>
-                  <a:tcPr marL="50800" marR="50800" marT="50800" marB="50800" anchor="ctr" anchorCtr="0" horzOverflow="overflow"/>
-                </a:tc>
-                <a:tc>
-                  <a:txBody>
-                    <a:bodyPr/>
-                    <a:lstStyle/>
-                    <a:p>
-                      <a:pPr lvl="0" defTabSz="914400">
-                        <a:defRPr b="0" sz="1800">
-                          <a:solidFill>
-                            <a:srgbClr val="000000"/>
-                          </a:solidFill>
-                        </a:defRPr>
-                      </a:pPr>
-                      <a:r>
-                        <a:rPr b="1" sz="2400">
-                          <a:solidFill>
-                            <a:srgbClr val="FFFFFF"/>
-                          </a:solidFill>
-                          <a:sym typeface="Helvetica"/>
-                        </a:rPr>
-                        <a:t>IE</a:t>
-                      </a:r>
-                    </a:p>
-                  </a:txBody>
-                  <a:tcPr marL="50800" marR="50800" marT="50800" marB="50800" anchor="ctr" anchorCtr="0" horzOverflow="overflow"/>
-                </a:tc>
-                <a:tc>
-                  <a:txBody>
-                    <a:bodyPr/>
-                    <a:lstStyle/>
-                    <a:p>
-                      <a:pPr lvl="0" defTabSz="914400">
-                        <a:defRPr b="0" sz="1800">
-                          <a:solidFill>
-                            <a:srgbClr val="000000"/>
-                          </a:solidFill>
-                        </a:defRPr>
-                      </a:pPr>
-                      <a:r>
-                        <a:rPr b="1" sz="2400">
-                          <a:solidFill>
-                            <a:srgbClr val="FFFFFF"/>
-                          </a:solidFill>
-                          <a:sym typeface="Helvetica"/>
-                        </a:rPr>
-                        <a:t>Spartan</a:t>
-                      </a:r>
-                    </a:p>
-                  </a:txBody>
-                  <a:tcPr marL="50800" marR="50800" marT="50800" marB="50800" anchor="ctr" anchorCtr="0" horzOverflow="overflow"/>
-                </a:tc>
-              </a:tr>
-              <a:tr h="1089457">
-                <a:tc>
-                  <a:txBody>
-                    <a:bodyPr/>
-                    <a:lstStyle/>
-                    <a:p>
-                      <a:pPr lvl="0" defTabSz="914400">
-                        <a:defRPr b="0" sz="1800">
-                          <a:solidFill>
-                            <a:srgbClr val="000000"/>
-                          </a:solidFill>
-                        </a:defRPr>
-                      </a:pPr>
-                      <a:r>
-                        <a:rPr b="1" sz="2400">
-                          <a:solidFill>
-                            <a:srgbClr val="FFFFFF"/>
-                          </a:solidFill>
-                          <a:sym typeface="Helvetica"/>
-                        </a:rPr>
-                        <a:t>CSP 1.0</a:t>
-                      </a:r>
-                    </a:p>
-                  </a:txBody>
-                  <a:tcPr marL="50800" marR="50800" marT="50800" marB="50800" anchor="ctr" anchorCtr="0" horzOverflow="overflow"/>
-                </a:tc>
-                <a:tc>
-                  <a:txBody>
-                    <a:bodyPr/>
-                    <a:lstStyle/>
-                    <a:p>
-                      <a:pPr lvl="0" defTabSz="914400">
-                        <a:defRPr sz="1800"/>
-                      </a:pPr>
-                      <a:r>
-                        <a:rPr sz="2400"/>
-                        <a:t>YES</a:t>
-                      </a:r>
-                    </a:p>
-                  </a:txBody>
-                  <a:tcPr marL="50800" marR="50800" marT="50800" marB="50800" anchor="ctr" anchorCtr="0" horzOverflow="overflow"/>
-                </a:tc>
-                <a:tc>
-                  <a:txBody>
-                    <a:bodyPr/>
-                    <a:lstStyle/>
-                    <a:p>
-                      <a:pPr lvl="0" defTabSz="914400">
-                        <a:defRPr sz="1800"/>
-                      </a:pPr>
-                      <a:r>
-                        <a:rPr sz="2400"/>
-                        <a:t>YES</a:t>
-                      </a:r>
-                    </a:p>
-                  </a:txBody>
-                  <a:tcPr marL="50800" marR="50800" marT="50800" marB="50800" anchor="ctr" anchorCtr="0" horzOverflow="overflow"/>
-                </a:tc>
-                <a:tc>
-                  <a:txBody>
-                    <a:bodyPr/>
-                    <a:lstStyle/>
-                    <a:p>
-                      <a:pPr lvl="0" defTabSz="914400">
-                        <a:defRPr sz="1800"/>
-                      </a:pPr>
-                      <a:r>
-                        <a:rPr sz="2400"/>
-                        <a:t>NO</a:t>
-                      </a:r>
-                    </a:p>
-                  </a:txBody>
-                  <a:tcPr marL="50800" marR="50800" marT="50800" marB="50800" anchor="ctr" anchorCtr="0" horzOverflow="overflow"/>
-                </a:tc>
-                <a:tc>
-                  <a:txBody>
-                    <a:bodyPr/>
-                    <a:lstStyle/>
-                    <a:p>
-                      <a:pPr lvl="0" defTabSz="914400">
-                        <a:defRPr sz="1800"/>
-                      </a:pPr>
-                      <a:r>
-                        <a:rPr sz="2400"/>
-                        <a:t>YES</a:t>
-                      </a:r>
-                    </a:p>
-                  </a:txBody>
-                  <a:tcPr marL="50800" marR="50800" marT="50800" marB="50800" anchor="ctr" anchorCtr="0" horzOverflow="overflow"/>
-                </a:tc>
-              </a:tr>
-              <a:tr h="1089457">
-                <a:tc>
-                  <a:txBody>
-                    <a:bodyPr/>
-                    <a:lstStyle/>
-                    <a:p>
-                      <a:pPr lvl="0" defTabSz="914400">
-                        <a:defRPr b="0" sz="1800">
-                          <a:solidFill>
-                            <a:srgbClr val="000000"/>
-                          </a:solidFill>
-                        </a:defRPr>
-                      </a:pPr>
-                      <a:r>
-                        <a:rPr b="1" sz="2400">
-                          <a:solidFill>
-                            <a:srgbClr val="FFFFFF"/>
-                          </a:solidFill>
-                          <a:sym typeface="Helvetica"/>
-                        </a:rPr>
-                        <a:t>CSP 2.0</a:t>
-                      </a:r>
-                    </a:p>
-                  </a:txBody>
-                  <a:tcPr marL="50800" marR="50800" marT="50800" marB="50800" anchor="ctr" anchorCtr="0" horzOverflow="overflow"/>
-                </a:tc>
-                <a:tc>
-                  <a:txBody>
-                    <a:bodyPr/>
-                    <a:lstStyle/>
-                    <a:p>
-                      <a:pPr lvl="0" defTabSz="914400">
-                        <a:defRPr sz="1800"/>
-                      </a:pPr>
-                      <a:r>
-                        <a:rPr sz="2400"/>
-                        <a:t>YES (35+) -(37+ EXP)</a:t>
-                      </a:r>
-                    </a:p>
-                  </a:txBody>
-                  <a:tcPr marL="50800" marR="50800" marT="50800" marB="50800" anchor="ctr" anchorCtr="0" horzOverflow="overflow"/>
-                </a:tc>
-                <a:tc>
-                  <a:txBody>
-                    <a:bodyPr/>
-                    <a:lstStyle/>
-                    <a:p>
-                      <a:pPr lvl="0" defTabSz="914400">
-                        <a:defRPr sz="1800"/>
-                      </a:pPr>
-                      <a:r>
-                        <a:rPr sz="2400"/>
-                        <a:t>YES (32+)</a:t>
-                      </a:r>
-                    </a:p>
-                  </a:txBody>
-                  <a:tcPr marL="50800" marR="50800" marT="50800" marB="50800" anchor="ctr" anchorCtr="0" horzOverflow="overflow"/>
-                </a:tc>
-                <a:tc>
-                  <a:txBody>
-                    <a:bodyPr/>
-                    <a:lstStyle/>
-                    <a:p>
-                      <a:pPr lvl="0" defTabSz="914400">
-                        <a:defRPr sz="1800"/>
-                      </a:pPr>
-                      <a:r>
-                        <a:rPr sz="2400"/>
-                        <a:t>NO</a:t>
-                      </a:r>
-                    </a:p>
-                  </a:txBody>
-                  <a:tcPr marL="50800" marR="50800" marT="50800" marB="50800" anchor="ctr" anchorCtr="0" horzOverflow="overflow"/>
-                </a:tc>
-                <a:tc>
-                  <a:txBody>
-                    <a:bodyPr/>
-                    <a:lstStyle/>
-                    <a:p>
-                      <a:pPr lvl="0" defTabSz="914400">
-                        <a:defRPr sz="1800"/>
-                      </a:pPr>
-                      <a:r>
-                        <a:rPr sz="2400"/>
-                        <a:t>UNCOMMITED</a:t>
-                      </a:r>
-                    </a:p>
-                  </a:txBody>
-                  <a:tcPr marL="50800" marR="50800" marT="50800" marB="50800" anchor="ctr" anchorCtr="0" horzOverflow="overflow"/>
-                </a:tc>
-              </a:tr>
-              <a:tr h="1089457">
-                <a:tc>
-                  <a:txBody>
-                    <a:bodyPr/>
-                    <a:lstStyle/>
-                    <a:p>
-                      <a:pPr lvl="0" defTabSz="914400">
-                        <a:defRPr b="0" sz="1800">
-                          <a:solidFill>
-                            <a:srgbClr val="000000"/>
-                          </a:solidFill>
-                        </a:defRPr>
-                      </a:pPr>
-                      <a:r>
-                        <a:rPr b="1" sz="2400">
-                          <a:solidFill>
-                            <a:srgbClr val="FFFFFF"/>
-                          </a:solidFill>
-                          <a:sym typeface="Helvetica"/>
-                        </a:rPr>
-                        <a:t>X-Frame-Options</a:t>
-                      </a:r>
-                    </a:p>
-                  </a:txBody>
-                  <a:tcPr marL="50800" marR="50800" marT="50800" marB="50800" anchor="ctr" anchorCtr="0" horzOverflow="overflow"/>
-                </a:tc>
-                <a:tc>
-                  <a:txBody>
-                    <a:bodyPr/>
-                    <a:lstStyle/>
-                    <a:p>
-                      <a:pPr lvl="0" defTabSz="914400">
-                        <a:defRPr sz="1800"/>
-                      </a:pPr>
-                      <a:r>
-                        <a:rPr sz="2400"/>
-                        <a:t>YES</a:t>
-                      </a:r>
-                    </a:p>
-                  </a:txBody>
-                  <a:tcPr marL="50800" marR="50800" marT="50800" marB="50800" anchor="ctr" anchorCtr="0" horzOverflow="overflow"/>
-                </a:tc>
-                <a:tc>
-                  <a:txBody>
-                    <a:bodyPr/>
-                    <a:lstStyle/>
-                    <a:p>
-                      <a:pPr lvl="0" defTabSz="914400">
-                        <a:defRPr sz="1800"/>
-                      </a:pPr>
-                      <a:r>
-                        <a:rPr sz="2400"/>
-                        <a:t>YES</a:t>
-                      </a:r>
-                    </a:p>
-                  </a:txBody>
-                  <a:tcPr marL="50800" marR="50800" marT="50800" marB="50800" anchor="ctr" anchorCtr="0" horzOverflow="overflow"/>
-                </a:tc>
-                <a:tc>
-                  <a:txBody>
-                    <a:bodyPr/>
-                    <a:lstStyle/>
-                    <a:p>
-                      <a:pPr lvl="0" defTabSz="914400">
-                        <a:defRPr sz="1800"/>
-                      </a:pPr>
-                      <a:r>
-                        <a:rPr sz="2400"/>
-                        <a:t>YES</a:t>
-                      </a:r>
-                    </a:p>
-                  </a:txBody>
-                  <a:tcPr marL="50800" marR="50800" marT="50800" marB="50800" anchor="ctr" anchorCtr="0" horzOverflow="overflow"/>
-                </a:tc>
-                <a:tc>
-                  <a:txBody>
-                    <a:bodyPr/>
-                    <a:lstStyle/>
-                    <a:p>
-                      <a:pPr lvl="0" defTabSz="914400">
-                        <a:defRPr sz="1800"/>
-                      </a:pPr>
-                      <a:r>
-                        <a:rPr sz="2400"/>
-                        <a:t>YES</a:t>
-                      </a:r>
-                    </a:p>
-                  </a:txBody>
-                  <a:tcPr marL="50800" marR="50800" marT="50800" marB="50800" anchor="ctr" anchorCtr="0" horzOverflow="overflow"/>
-                </a:tc>
-              </a:tr>
-            </a:tbl>
-          </a:graphicData>
-        </a:graphic>
-      </p:graphicFrame>
+      <p:sp>
+        <p:nvSpPr>
+          <p:cNvPr id="89" name="Shape 89"/>
+          <p:cNvSpPr/>
+          <p:nvPr>
+            <p:ph type="body" idx="1"/>
+          </p:nvPr>
+        </p:nvSpPr>
+        <p:spPr>
+          <a:prstGeom prst="rect">
+            <a:avLst/>
+          </a:prstGeom>
+        </p:spPr>
+        <p:txBody>
+          <a:bodyPr/>
+          <a:lstStyle/>
+          <a:p>
+            <a:pPr lvl="0">
+              <a:defRPr sz="1800"/>
+            </a:pPr>
+            <a:r>
+              <a:rPr sz="3400"/>
+              <a:t>User input is interpreted as part of a SQL query.</a:t>
+            </a:r>
+            <a:endParaRPr sz="3400"/>
+          </a:p>
+          <a:p>
+            <a:pPr lvl="0">
+              <a:defRPr sz="1800"/>
+            </a:pPr>
+            <a:r>
+              <a:rPr sz="3400"/>
+              <a:t>Can be used to retrieve data unmeant to be seen</a:t>
+            </a:r>
+            <a:endParaRPr sz="3400"/>
+          </a:p>
+          <a:p>
+            <a:pPr lvl="0">
+              <a:defRPr sz="1800"/>
+            </a:pPr>
+            <a:r>
+              <a:rPr sz="3400"/>
+              <a:t>Or write to the database</a:t>
+            </a:r>
+          </a:p>
+        </p:txBody>
+      </p:sp>
     </p:spTree>
   </p:cSld>
   <p:clrMapOvr>
@@ -3584,7 +3213,7 @@
             </a:pPr>
             <a:r>
               <a:rPr sz="3400"/>
-              <a:t>Security Architect at Thycotic in Washington, DC</a:t>
+              <a:t>Security Architect at Higher Logic</a:t>
             </a:r>
             <a:endParaRPr sz="3400"/>
           </a:p>
@@ -3693,7 +3322,7 @@
             </a:pPr>
             <a:r>
               <a:rPr sz="7800"/>
-              <a:t>SQL Injection</a:t>
+              <a:t>Prevention</a:t>
             </a:r>
           </a:p>
         </p:txBody>
@@ -3720,7 +3349,7 @@
             </a:pPr>
             <a:r>
               <a:rPr sz="3400"/>
-              <a:t>User input is interpreted as part of a SQL query.</a:t>
+              <a:t>Parameterize SQL queries</a:t>
             </a:r>
             <a:endParaRPr sz="3400"/>
           </a:p>
@@ -3730,17 +3359,11 @@
             </a:pPr>
             <a:r>
               <a:rPr sz="3400"/>
-              <a:t>Can be used to retrieve data unmeant to be seen</a:t>
-            </a:r>
-            <a:endParaRPr sz="3400"/>
-          </a:p>
-          <a:p>
-            <a:pPr lvl="0">
-              <a:defRPr sz="1800"/>
-            </a:pPr>
-            <a:r>
-              <a:rPr sz="3400"/>
-              <a:t>Or write to the database</a:t>
+              <a:t>Use different SQL accounts for read / writes and lock down permissions (</a:t>
+            </a:r>
+            <a:r>
+              <a:rPr i="1" sz="3400"/>
+              <a:t>least privilege principle)</a:t>
             </a:r>
           </a:p>
         </p:txBody>
@@ -3793,7 +3416,7 @@
             </a:pPr>
             <a:r>
               <a:rPr sz="7800"/>
-              <a:t>Prevention</a:t>
+              <a:t>GET Mutation</a:t>
             </a:r>
           </a:p>
         </p:txBody>
@@ -3807,6 +3430,10 @@
           </p:nvPr>
         </p:nvSpPr>
         <p:spPr>
+          <a:xfrm>
+            <a:off x="2339974" y="3176587"/>
+            <a:ext cx="8324852" cy="4714876"/>
+          </a:xfrm>
           <a:prstGeom prst="rect">
             <a:avLst/>
           </a:prstGeom>
@@ -3815,26 +3442,54 @@
           <a:bodyPr/>
           <a:lstStyle/>
           <a:p>
-            <a:pPr lvl="0">
-              <a:defRPr sz="1800"/>
-            </a:pPr>
-            <a:r>
-              <a:rPr sz="3400"/>
-              <a:t>Parameterize SQL queries</a:t>
-            </a:r>
-            <a:endParaRPr sz="3400"/>
-          </a:p>
-          <a:p>
-            <a:pPr lvl="0">
-              <a:defRPr sz="1800"/>
-            </a:pPr>
-            <a:r>
-              <a:rPr sz="3400"/>
-              <a:t>Use different SQL accounts for read / writes and lock down permissions (</a:t>
-            </a:r>
-            <a:r>
-              <a:rPr i="1" sz="3400"/>
-              <a:t>least privilege principle)</a:t>
+            <a:pPr lvl="0" marL="407211" indent="-407211" defTabSz="566674">
+              <a:spcBef>
+                <a:spcPts val="4000"/>
+              </a:spcBef>
+              <a:defRPr sz="1800"/>
+            </a:pPr>
+            <a:r>
+              <a:rPr sz="3298"/>
+              <a:t>Similiar to clickjacking</a:t>
+            </a:r>
+            <a:endParaRPr sz="3298"/>
+          </a:p>
+          <a:p>
+            <a:pPr lvl="0" marL="407211" indent="-407211" defTabSz="566674">
+              <a:spcBef>
+                <a:spcPts val="4000"/>
+              </a:spcBef>
+              <a:defRPr sz="1800"/>
+            </a:pPr>
+            <a:r>
+              <a:rPr sz="3298"/>
+              <a:t>Use social engineering to get someone to click a link into an authenticated system</a:t>
+            </a:r>
+            <a:endParaRPr sz="3298"/>
+          </a:p>
+          <a:p>
+            <a:pPr lvl="0" marL="407211" indent="-407211" defTabSz="566674">
+              <a:spcBef>
+                <a:spcPts val="4000"/>
+              </a:spcBef>
+              <a:defRPr sz="1800"/>
+            </a:pPr>
+            <a:r>
+              <a:rPr sz="3298"/>
+              <a:t>Web Services are often overlooked.</a:t>
+            </a:r>
+            <a:endParaRPr sz="3298"/>
+          </a:p>
+          <a:p>
+            <a:pPr lvl="1" marL="838376" indent="-407211" defTabSz="566674">
+              <a:spcBef>
+                <a:spcPts val="4000"/>
+              </a:spcBef>
+              <a:defRPr sz="1800"/>
+            </a:pPr>
+            <a:r>
+              <a:rPr sz="3298"/>
+              <a:t>Attempts to be RESTful and use GETs leave security holes</a:t>
             </a:r>
           </a:p>
         </p:txBody>
@@ -3887,7 +3542,7 @@
             </a:pPr>
             <a:r>
               <a:rPr sz="7800"/>
-              <a:t>GET Mutation</a:t>
+              <a:t>Prevention</a:t>
             </a:r>
           </a:p>
         </p:txBody>
@@ -3901,10 +3556,6 @@
           </p:nvPr>
         </p:nvSpPr>
         <p:spPr>
-          <a:xfrm>
-            <a:off x="2339974" y="3176587"/>
-            <a:ext cx="8324852" cy="4714876"/>
-          </a:xfrm>
           <a:prstGeom prst="rect">
             <a:avLst/>
           </a:prstGeom>
@@ -3913,54 +3564,12 @@
           <a:bodyPr/>
           <a:lstStyle/>
           <a:p>
-            <a:pPr lvl="0" marL="407211" indent="-407211" defTabSz="566674">
-              <a:spcBef>
-                <a:spcPts val="4000"/>
-              </a:spcBef>
-              <a:defRPr sz="1800"/>
-            </a:pPr>
-            <a:r>
-              <a:rPr sz="3298"/>
-              <a:t>Similiar to clickjacking</a:t>
-            </a:r>
-            <a:endParaRPr sz="3298"/>
-          </a:p>
-          <a:p>
-            <a:pPr lvl="0" marL="407211" indent="-407211" defTabSz="566674">
-              <a:spcBef>
-                <a:spcPts val="4000"/>
-              </a:spcBef>
-              <a:defRPr sz="1800"/>
-            </a:pPr>
-            <a:r>
-              <a:rPr sz="3298"/>
-              <a:t>Use social engineering to get someone to click a link into an authenticated system</a:t>
-            </a:r>
-            <a:endParaRPr sz="3298"/>
-          </a:p>
-          <a:p>
-            <a:pPr lvl="0" marL="407211" indent="-407211" defTabSz="566674">
-              <a:spcBef>
-                <a:spcPts val="4000"/>
-              </a:spcBef>
-              <a:defRPr sz="1800"/>
-            </a:pPr>
-            <a:r>
-              <a:rPr sz="3298"/>
-              <a:t>Web Services are often overlooked.</a:t>
-            </a:r>
-            <a:endParaRPr sz="3298"/>
-          </a:p>
-          <a:p>
-            <a:pPr lvl="1" marL="838376" indent="-407211" defTabSz="566674">
-              <a:spcBef>
-                <a:spcPts val="4000"/>
-              </a:spcBef>
-              <a:defRPr sz="1800"/>
-            </a:pPr>
-            <a:r>
-              <a:rPr sz="3298"/>
-              <a:t>Attempts to be RESTful and use GETs leave security holes</a:t>
+            <a:pPr lvl="0">
+              <a:defRPr sz="1800"/>
+            </a:pPr>
+            <a:r>
+              <a:rPr sz="3400"/>
+              <a:t>Data mutation should be a POST, PUT, PATCH, etc HTTP verb.</a:t>
             </a:r>
           </a:p>
         </p:txBody>
@@ -4006,14 +3615,18 @@
         </p:spPr>
         <p:txBody>
           <a:bodyPr/>
-          <a:lstStyle/>
-          <a:p>
-            <a:pPr lvl="0">
-              <a:defRPr sz="1800"/>
-            </a:pPr>
-            <a:r>
-              <a:rPr sz="7800"/>
-              <a:t>Prevention</a:t>
+          <a:lstStyle>
+            <a:lvl1pPr defTabSz="508254">
+              <a:defRPr sz="6786"/>
+            </a:lvl1pPr>
+          </a:lstStyle>
+          <a:p>
+            <a:pPr lvl="0">
+              <a:defRPr sz="1800"/>
+            </a:pPr>
+            <a:r>
+              <a:rPr sz="6786"/>
+              <a:t>Client Validation Only</a:t>
             </a:r>
           </a:p>
         </p:txBody>
@@ -4040,7 +3653,17 @@
             </a:pPr>
             <a:r>
               <a:rPr sz="3400"/>
-              <a:t>Data mutation should be a POST, PUT, PATCH, etc HTTP verb.</a:t>
+              <a:t>Data is validated for correctness on the browser</a:t>
+            </a:r>
+            <a:endParaRPr sz="3400"/>
+          </a:p>
+          <a:p>
+            <a:pPr lvl="0">
+              <a:defRPr sz="1800"/>
+            </a:pPr>
+            <a:r>
+              <a:rPr sz="3400"/>
+              <a:t>Attackers can bypass the browser and submit any data</a:t>
             </a:r>
           </a:p>
         </p:txBody>
@@ -4086,18 +3709,14 @@
         </p:spPr>
         <p:txBody>
           <a:bodyPr/>
-          <a:lstStyle>
-            <a:lvl1pPr defTabSz="508254">
-              <a:defRPr sz="6786"/>
-            </a:lvl1pPr>
-          </a:lstStyle>
-          <a:p>
-            <a:pPr lvl="0">
-              <a:defRPr sz="1800"/>
-            </a:pPr>
-            <a:r>
-              <a:rPr sz="6786"/>
-              <a:t>Client Validation Only</a:t>
+          <a:lstStyle/>
+          <a:p>
+            <a:pPr lvl="0">
+              <a:defRPr sz="1800"/>
+            </a:pPr>
+            <a:r>
+              <a:rPr sz="7800"/>
+              <a:t>Solution</a:t>
             </a:r>
           </a:p>
         </p:txBody>
@@ -4124,7 +3743,7 @@
             </a:pPr>
             <a:r>
               <a:rPr sz="3400"/>
-              <a:t>Data is validated for correctness on the browser</a:t>
+              <a:t>Validation should always be done on the server side, in addition to the client.</a:t>
             </a:r>
             <a:endParaRPr sz="3400"/>
           </a:p>
@@ -4134,7 +3753,7 @@
             </a:pPr>
             <a:r>
               <a:rPr sz="3400"/>
-              <a:t>Attackers can bypass the browser and submit any data</a:t>
+              <a:t>Unobtrusive validation makes that easy in MVC.</a:t>
             </a:r>
           </a:p>
         </p:txBody>
@@ -4187,7 +3806,7 @@
             </a:pPr>
             <a:r>
               <a:rPr sz="7800"/>
-              <a:t>Solution</a:t>
+              <a:t>Bad Cryptography</a:t>
             </a:r>
           </a:p>
         </p:txBody>
@@ -4209,22 +3828,75 @@
           <a:bodyPr/>
           <a:lstStyle/>
           <a:p>
-            <a:pPr lvl="0">
-              <a:defRPr sz="1800"/>
-            </a:pPr>
-            <a:r>
-              <a:rPr sz="3400"/>
-              <a:t>Validation should always be done on the server side, in addition to the client.</a:t>
-            </a:r>
-            <a:endParaRPr sz="3400"/>
-          </a:p>
-          <a:p>
-            <a:pPr lvl="0">
-              <a:defRPr sz="1800"/>
-            </a:pPr>
-            <a:r>
-              <a:rPr sz="3400"/>
-              <a:t>Unobtrusive validation makes that easy in MVC.</a:t>
+            <a:pPr lvl="0" marL="369428" indent="-369428" defTabSz="514095">
+              <a:spcBef>
+                <a:spcPts val="3600"/>
+              </a:spcBef>
+              <a:defRPr sz="1800"/>
+            </a:pPr>
+            <a:r>
+              <a:rPr sz="2992"/>
+              <a:t>Cryptography itself has </a:t>
+            </a:r>
+            <a:r>
+              <a:rPr i="1" sz="2992"/>
+              <a:t>rarely</a:t>
+            </a:r>
+            <a:r>
+              <a:rPr sz="2992"/>
+              <a:t> been broken.</a:t>
+            </a:r>
+            <a:endParaRPr sz="2992"/>
+          </a:p>
+          <a:p>
+            <a:pPr lvl="0" marL="369428" indent="-369428" defTabSz="514095">
+              <a:spcBef>
+                <a:spcPts val="3600"/>
+              </a:spcBef>
+              <a:defRPr sz="1800"/>
+            </a:pPr>
+            <a:r>
+              <a:rPr sz="2992"/>
+              <a:t>Most flaws occur due to developer misuse of cryptographic primitives</a:t>
+            </a:r>
+            <a:endParaRPr sz="2992"/>
+          </a:p>
+          <a:p>
+            <a:pPr lvl="1" marL="760588" indent="-369428" defTabSz="514095">
+              <a:spcBef>
+                <a:spcPts val="3600"/>
+              </a:spcBef>
+              <a:defRPr sz="1800"/>
+            </a:pPr>
+            <a:r>
+              <a:rPr sz="2992"/>
+              <a:t>Hand-rolled</a:t>
+            </a:r>
+            <a:endParaRPr sz="2992"/>
+          </a:p>
+          <a:p>
+            <a:pPr lvl="1" marL="760588" indent="-369428" defTabSz="514095">
+              <a:spcBef>
+                <a:spcPts val="3600"/>
+              </a:spcBef>
+              <a:defRPr sz="1800"/>
+            </a:pPr>
+            <a:r>
+              <a:rPr sz="2992"/>
+              <a:t>Overly complicated / getting fancy</a:t>
+            </a:r>
+            <a:endParaRPr sz="2992"/>
+          </a:p>
+          <a:p>
+            <a:pPr lvl="1" marL="760588" indent="-369428" defTabSz="514095">
+              <a:spcBef>
+                <a:spcPts val="3600"/>
+              </a:spcBef>
+              <a:defRPr sz="1800"/>
+            </a:pPr>
+            <a:r>
+              <a:rPr sz="2992"/>
+              <a:t>Misunderstandings</a:t>
             </a:r>
           </a:p>
         </p:txBody>
@@ -4277,7 +3949,7 @@
             </a:pPr>
             <a:r>
               <a:rPr sz="7800"/>
-              <a:t>Bad Cryptography</a:t>
+              <a:t>Prevention</a:t>
             </a:r>
           </a:p>
         </p:txBody>
@@ -4299,75 +3971,29 @@
           <a:bodyPr/>
           <a:lstStyle/>
           <a:p>
-            <a:pPr lvl="0" marL="369428" indent="-369428" defTabSz="514095">
-              <a:spcBef>
-                <a:spcPts val="3600"/>
-              </a:spcBef>
-              <a:defRPr sz="1800"/>
-            </a:pPr>
-            <a:r>
-              <a:rPr sz="2992"/>
-              <a:t>Cryptography itself has </a:t>
-            </a:r>
-            <a:r>
-              <a:rPr i="1" sz="2992"/>
-              <a:t>rarely</a:t>
-            </a:r>
-            <a:r>
-              <a:rPr sz="2992"/>
-              <a:t> been broken.</a:t>
-            </a:r>
-            <a:endParaRPr sz="2992"/>
-          </a:p>
-          <a:p>
-            <a:pPr lvl="0" marL="369428" indent="-369428" defTabSz="514095">
-              <a:spcBef>
-                <a:spcPts val="3600"/>
-              </a:spcBef>
-              <a:defRPr sz="1800"/>
-            </a:pPr>
-            <a:r>
-              <a:rPr sz="2992"/>
-              <a:t>Most flaws occur due to developer misuse of cryptographic primitives</a:t>
-            </a:r>
-            <a:endParaRPr sz="2992"/>
-          </a:p>
-          <a:p>
-            <a:pPr lvl="1" marL="760588" indent="-369428" defTabSz="514095">
-              <a:spcBef>
-                <a:spcPts val="3600"/>
-              </a:spcBef>
-              <a:defRPr sz="1800"/>
-            </a:pPr>
-            <a:r>
-              <a:rPr sz="2992"/>
-              <a:t>Hand-rolled</a:t>
-            </a:r>
-            <a:endParaRPr sz="2992"/>
-          </a:p>
-          <a:p>
-            <a:pPr lvl="1" marL="760588" indent="-369428" defTabSz="514095">
-              <a:spcBef>
-                <a:spcPts val="3600"/>
-              </a:spcBef>
-              <a:defRPr sz="1800"/>
-            </a:pPr>
-            <a:r>
-              <a:rPr sz="2992"/>
-              <a:t>Overly complicated / getting fancy</a:t>
-            </a:r>
-            <a:endParaRPr sz="2992"/>
-          </a:p>
-          <a:p>
-            <a:pPr lvl="1" marL="760588" indent="-369428" defTabSz="514095">
-              <a:spcBef>
-                <a:spcPts val="3600"/>
-              </a:spcBef>
-              <a:defRPr sz="1800"/>
-            </a:pPr>
-            <a:r>
-              <a:rPr sz="2992"/>
-              <a:t>Misunderstandings</a:t>
+            <a:pPr lvl="0">
+              <a:defRPr sz="1800"/>
+            </a:pPr>
+            <a:r>
+              <a:rPr sz="3400"/>
+              <a:t>Use a framework and well-known primitives</a:t>
+            </a:r>
+            <a:endParaRPr sz="3400"/>
+          </a:p>
+          <a:p>
+            <a:pPr lvl="0">
+              <a:defRPr sz="1800"/>
+            </a:pPr>
+            <a:r>
+              <a:rPr sz="3400"/>
+              <a:t>Get it audited by a 3rd party</a:t>
+            </a:r>
+            <a:br>
+              <a:rPr sz="3400"/>
+            </a:br>
+            <a:r>
+              <a:rPr sz="3400"/>
+              <a:t>Do that even if you do know what you are doing</a:t>
             </a:r>
           </a:p>
         </p:txBody>
@@ -4413,14 +4039,18 @@
         </p:spPr>
         <p:txBody>
           <a:bodyPr/>
-          <a:lstStyle/>
-          <a:p>
-            <a:pPr lvl="0">
-              <a:defRPr sz="1800"/>
-            </a:pPr>
-            <a:r>
-              <a:rPr sz="7800"/>
-              <a:t>Prevention</a:t>
+          <a:lstStyle>
+            <a:lvl1pPr defTabSz="479044">
+              <a:defRPr sz="6396"/>
+            </a:lvl1pPr>
+          </a:lstStyle>
+          <a:p>
+            <a:pPr lvl="0">
+              <a:defRPr sz="1800"/>
+            </a:pPr>
+            <a:r>
+              <a:rPr sz="6396"/>
+              <a:t>DIY Password Storage</a:t>
             </a:r>
           </a:p>
         </p:txBody>
@@ -4447,7 +4077,7 @@
             </a:pPr>
             <a:r>
               <a:rPr sz="3400"/>
-              <a:t>Use a framework and well-known primitives</a:t>
+              <a:t>Use a KDF, like bcrypt or PBKDF2</a:t>
             </a:r>
             <a:endParaRPr sz="3400"/>
           </a:p>
@@ -4457,14 +4087,7 @@
             </a:pPr>
             <a:r>
               <a:rPr sz="3400"/>
-              <a:t>Get it audited by a 3rd party</a:t>
-            </a:r>
-            <a:br>
-              <a:rPr sz="3400"/>
-            </a:br>
-            <a:r>
-              <a:rPr sz="3400"/>
-              <a:t>Do that even if you do know what you are doing</a:t>
+              <a:t>Don’t hash yourself with SHA-1 or SHA-2.</a:t>
             </a:r>
           </a:p>
         </p:txBody>
@@ -4511,8 +4134,8 @@
         <p:txBody>
           <a:bodyPr/>
           <a:lstStyle>
-            <a:lvl1pPr defTabSz="479044">
-              <a:defRPr sz="6396"/>
+            <a:lvl1pPr defTabSz="420624">
+              <a:defRPr sz="5616"/>
             </a:lvl1pPr>
           </a:lstStyle>
           <a:p>
@@ -4520,8 +4143,8 @@
               <a:defRPr sz="1800"/>
             </a:pPr>
             <a:r>
-              <a:rPr sz="6396"/>
-              <a:t>DIY Password Storage</a:t>
+              <a:rPr sz="5616"/>
+              <a:t>DIY Password Generation</a:t>
             </a:r>
           </a:p>
         </p:txBody>
@@ -4548,7 +4171,7 @@
             </a:pPr>
             <a:r>
               <a:rPr sz="3400"/>
-              <a:t>Use a KDF, like bcrypt or PBKDF2</a:t>
+              <a:t>Generated passwords cannot be truly random.</a:t>
             </a:r>
             <a:endParaRPr sz="3400"/>
           </a:p>
@@ -4558,7 +4181,7 @@
             </a:pPr>
             <a:r>
               <a:rPr sz="3400"/>
-              <a:t>Don’t hash yourself with SHA-1 or SHA-2.</a:t>
+              <a:t>Use a proper RNG (System.Random is not)</a:t>
             </a:r>
           </a:p>
         </p:txBody>
@@ -4604,55 +4227,14 @@
         </p:spPr>
         <p:txBody>
           <a:bodyPr/>
-          <a:lstStyle>
-            <a:lvl1pPr defTabSz="420624">
-              <a:defRPr sz="5616"/>
-            </a:lvl1pPr>
-          </a:lstStyle>
-          <a:p>
-            <a:pPr lvl="0">
-              <a:defRPr sz="1800"/>
-            </a:pPr>
-            <a:r>
-              <a:rPr sz="5616"/>
-              <a:t>DIY Password Generation</a:t>
-            </a:r>
-          </a:p>
-        </p:txBody>
-      </p:sp>
-      <p:sp>
-        <p:nvSpPr>
-          <p:cNvPr id="119" name="Shape 119"/>
-          <p:cNvSpPr/>
-          <p:nvPr>
-            <p:ph type="body" idx="1"/>
-          </p:nvPr>
-        </p:nvSpPr>
-        <p:spPr>
-          <a:prstGeom prst="rect">
-            <a:avLst/>
-          </a:prstGeom>
-        </p:spPr>
-        <p:txBody>
-          <a:bodyPr/>
           <a:lstStyle/>
           <a:p>
             <a:pPr lvl="0">
               <a:defRPr sz="1800"/>
             </a:pPr>
             <a:r>
-              <a:rPr sz="3400"/>
-              <a:t>Generated passwords cannot be truly random.</a:t>
-            </a:r>
-            <a:endParaRPr sz="3400"/>
-          </a:p>
-          <a:p>
-            <a:pPr lvl="0">
-              <a:defRPr sz="1800"/>
-            </a:pPr>
-            <a:r>
-              <a:rPr sz="3400"/>
-              <a:t>Use a proper RNG (System.Random is not)</a:t>
+              <a:rPr sz="7800"/>
+              <a:t>Questions?</a:t>
             </a:r>
           </a:p>
         </p:txBody>
@@ -5106,59 +4688,6 @@
 </p:sld>
 </file>
 
-<file path=ppt/slides/slide30.xml><?xml version="1.0" encoding="utf-8"?>
-<p:sld xmlns:a="http://schemas.openxmlformats.org/drawingml/2006/main" xmlns:r="http://schemas.openxmlformats.org/officeDocument/2006/relationships" xmlns:p="http://schemas.openxmlformats.org/presentationml/2006/main" showMasterSp="1" showMasterPhAnim="1">
-  <p:cSld>
-    <p:spTree>
-      <p:nvGrpSpPr>
-        <p:cNvPr id="1" name=""/>
-        <p:cNvGrpSpPr/>
-        <p:nvPr/>
-      </p:nvGrpSpPr>
-      <p:grpSpPr>
-        <a:xfrm>
-          <a:off x="0" y="0"/>
-          <a:ext cx="0" cy="0"/>
-          <a:chOff x="0" y="0"/>
-          <a:chExt cx="0" cy="0"/>
-        </a:xfrm>
-      </p:grpSpPr>
-      <p:sp>
-        <p:nvSpPr>
-          <p:cNvPr id="121" name="Shape 121"/>
-          <p:cNvSpPr/>
-          <p:nvPr>
-            <p:ph type="title"/>
-          </p:nvPr>
-        </p:nvSpPr>
-        <p:spPr>
-          <a:prstGeom prst="rect">
-            <a:avLst/>
-          </a:prstGeom>
-        </p:spPr>
-        <p:txBody>
-          <a:bodyPr/>
-          <a:lstStyle/>
-          <a:p>
-            <a:pPr lvl="0">
-              <a:defRPr sz="1800"/>
-            </a:pPr>
-            <a:r>
-              <a:rPr sz="7800"/>
-              <a:t>Questions?</a:t>
-            </a:r>
-          </a:p>
-        </p:txBody>
-      </p:sp>
-    </p:spTree>
-  </p:cSld>
-  <p:clrMapOvr>
-    <a:masterClrMapping/>
-  </p:clrMapOvr>
-  <p:transition spd="med" advClick="1"/>
-</p:sld>
-</file>
-
 <file path=ppt/slides/slide4.xml><?xml version="1.0" encoding="utf-8"?>
 <p:sld xmlns:a="http://schemas.openxmlformats.org/drawingml/2006/main" xmlns:r="http://schemas.openxmlformats.org/officeDocument/2006/relationships" xmlns:p="http://schemas.openxmlformats.org/presentationml/2006/main" showMasterSp="1" showMasterPhAnim="1">
   <p:cSld>
